--- a/gitTest.pptx
+++ b/gitTest.pptx
@@ -6,6 +6,7 @@
   </p:sldMasterIdLst>
   <p:sldIdLst>
     <p:sldId id="256" r:id="rId2"/>
+    <p:sldId id="257" r:id="rId3"/>
   </p:sldIdLst>
   <p:sldSz cx="12192000" cy="6858000"/>
   <p:notesSz cx="6858000" cy="9144000"/>
@@ -104,6 +105,11 @@
       </a:defRPr>
     </a:lvl9pPr>
   </p:defaultTextStyle>
+  <p:extLst>
+    <p:ext uri="{EFAFB233-063F-42B5-8137-9DF3F51BA10A}">
+      <p15:sldGuideLst xmlns:p15="http://schemas.microsoft.com/office/powerpoint/2012/main"/>
+    </p:ext>
+  </p:extLst>
 </p:presentation>
 </file>
 
@@ -3384,6 +3390,951 @@
 </p:sld>
 </file>
 
+<file path=ppt/slides/slide2.xml><?xml version="1.0" encoding="utf-8"?>
+<p:sld xmlns:a="http://schemas.openxmlformats.org/drawingml/2006/main" xmlns:r="http://schemas.openxmlformats.org/officeDocument/2006/relationships" xmlns:p="http://schemas.openxmlformats.org/presentationml/2006/main">
+  <p:cSld>
+    <p:spTree>
+      <p:nvGrpSpPr>
+        <p:cNvPr id="1" name=""/>
+        <p:cNvGrpSpPr/>
+        <p:nvPr/>
+      </p:nvGrpSpPr>
+      <p:grpSpPr>
+        <a:xfrm>
+          <a:off x="0" y="0"/>
+          <a:ext cx="0" cy="0"/>
+          <a:chOff x="0" y="0"/>
+          <a:chExt cx="0" cy="0"/>
+        </a:xfrm>
+      </p:grpSpPr>
+      <p:sp>
+        <p:nvSpPr>
+          <p:cNvPr id="2" name="직사각형 1">
+            <a:extLst>
+              <a:ext uri="{FF2B5EF4-FFF2-40B4-BE49-F238E27FC236}">
+                <a16:creationId xmlns:a16="http://schemas.microsoft.com/office/drawing/2014/main" id="{7878057B-7CF9-45BB-8265-7F55655247ED}"/>
+              </a:ext>
+            </a:extLst>
+          </p:cNvPr>
+          <p:cNvSpPr/>
+          <p:nvPr/>
+        </p:nvSpPr>
+        <p:spPr>
+          <a:xfrm>
+            <a:off x="1248229" y="209696"/>
+            <a:ext cx="6096000" cy="6740307"/>
+          </a:xfrm>
+          <a:prstGeom prst="rect">
+            <a:avLst/>
+          </a:prstGeom>
+        </p:spPr>
+        <p:txBody>
+          <a:bodyPr>
+            <a:spAutoFit/>
+          </a:bodyPr>
+          <a:lstStyle/>
+          <a:p>
+            <a:r>
+              <a:rPr lang="en-US" altLang="ko-KR" sz="1200" dirty="0" err="1"/>
+              <a:t>cmd</a:t>
+            </a:r>
+            <a:r>
+              <a:rPr lang="en-US" altLang="ko-KR" sz="1200" dirty="0"/>
+              <a:t>  </a:t>
+            </a:r>
+            <a:r>
+              <a:rPr lang="ko-KR" altLang="en-US" sz="1200" dirty="0"/>
+              <a:t>창</a:t>
+            </a:r>
+            <a:endParaRPr lang="en-US" altLang="ko-KR" sz="1200" dirty="0"/>
+          </a:p>
+          <a:p>
+            <a:endParaRPr lang="ko-KR" altLang="en-US" sz="1200" dirty="0"/>
+          </a:p>
+          <a:p>
+            <a:r>
+              <a:rPr lang="ko-KR" altLang="en-US" sz="1200" dirty="0"/>
+              <a:t>D:\GitEdu&gt;git </a:t>
+            </a:r>
+            <a:r>
+              <a:rPr lang="ko-KR" altLang="en-US" sz="1200" dirty="0" err="1"/>
+              <a:t>clone</a:t>
+            </a:r>
+            <a:r>
+              <a:rPr lang="ko-KR" altLang="en-US" sz="1200" dirty="0"/>
+              <a:t> https://github.com/danilyu/Git-Tutorial.git</a:t>
+            </a:r>
+          </a:p>
+          <a:p>
+            <a:r>
+              <a:rPr lang="ko-KR" altLang="en-US" sz="1200" dirty="0" err="1"/>
+              <a:t>Cloning</a:t>
+            </a:r>
+            <a:r>
+              <a:rPr lang="ko-KR" altLang="en-US" sz="1200" dirty="0"/>
+              <a:t> </a:t>
+            </a:r>
+            <a:r>
+              <a:rPr lang="ko-KR" altLang="en-US" sz="1200" dirty="0" err="1"/>
+              <a:t>into</a:t>
+            </a:r>
+            <a:r>
+              <a:rPr lang="ko-KR" altLang="en-US" sz="1200" dirty="0"/>
+              <a:t> '</a:t>
+            </a:r>
+            <a:r>
+              <a:rPr lang="ko-KR" altLang="en-US" sz="1200" dirty="0" err="1"/>
+              <a:t>Git-Tutorial</a:t>
+            </a:r>
+            <a:r>
+              <a:rPr lang="ko-KR" altLang="en-US" sz="1200" dirty="0"/>
+              <a:t>'...</a:t>
+            </a:r>
+          </a:p>
+          <a:p>
+            <a:r>
+              <a:rPr lang="ko-KR" altLang="en-US" sz="1200" dirty="0" err="1"/>
+              <a:t>remote</a:t>
+            </a:r>
+            <a:r>
+              <a:rPr lang="ko-KR" altLang="en-US" sz="1200" dirty="0"/>
+              <a:t>: </a:t>
+            </a:r>
+            <a:r>
+              <a:rPr lang="ko-KR" altLang="en-US" sz="1200" dirty="0" err="1"/>
+              <a:t>Enumerating</a:t>
+            </a:r>
+            <a:r>
+              <a:rPr lang="ko-KR" altLang="en-US" sz="1200" dirty="0"/>
+              <a:t> </a:t>
+            </a:r>
+            <a:r>
+              <a:rPr lang="ko-KR" altLang="en-US" sz="1200" dirty="0" err="1"/>
+              <a:t>objects</a:t>
+            </a:r>
+            <a:r>
+              <a:rPr lang="ko-KR" altLang="en-US" sz="1200" dirty="0"/>
+              <a:t>: 3, </a:t>
+            </a:r>
+            <a:r>
+              <a:rPr lang="ko-KR" altLang="en-US" sz="1200" dirty="0" err="1"/>
+              <a:t>done</a:t>
+            </a:r>
+            <a:r>
+              <a:rPr lang="ko-KR" altLang="en-US" sz="1200" dirty="0"/>
+              <a:t>.</a:t>
+            </a:r>
+          </a:p>
+          <a:p>
+            <a:r>
+              <a:rPr lang="ko-KR" altLang="en-US" sz="1200" dirty="0" err="1"/>
+              <a:t>remote</a:t>
+            </a:r>
+            <a:r>
+              <a:rPr lang="ko-KR" altLang="en-US" sz="1200" dirty="0"/>
+              <a:t>: </a:t>
+            </a:r>
+            <a:r>
+              <a:rPr lang="ko-KR" altLang="en-US" sz="1200" dirty="0" err="1"/>
+              <a:t>Counting</a:t>
+            </a:r>
+            <a:r>
+              <a:rPr lang="ko-KR" altLang="en-US" sz="1200" dirty="0"/>
+              <a:t> </a:t>
+            </a:r>
+            <a:r>
+              <a:rPr lang="ko-KR" altLang="en-US" sz="1200" dirty="0" err="1"/>
+              <a:t>objects</a:t>
+            </a:r>
+            <a:r>
+              <a:rPr lang="ko-KR" altLang="en-US" sz="1200" dirty="0"/>
+              <a:t>: 100% (3/3), </a:t>
+            </a:r>
+            <a:r>
+              <a:rPr lang="ko-KR" altLang="en-US" sz="1200" dirty="0" err="1"/>
+              <a:t>done</a:t>
+            </a:r>
+            <a:r>
+              <a:rPr lang="ko-KR" altLang="en-US" sz="1200" dirty="0"/>
+              <a:t>.</a:t>
+            </a:r>
+          </a:p>
+          <a:p>
+            <a:r>
+              <a:rPr lang="ko-KR" altLang="en-US" sz="1200" dirty="0" err="1"/>
+              <a:t>remote</a:t>
+            </a:r>
+            <a:r>
+              <a:rPr lang="ko-KR" altLang="en-US" sz="1200" dirty="0"/>
+              <a:t>: </a:t>
+            </a:r>
+            <a:r>
+              <a:rPr lang="ko-KR" altLang="en-US" sz="1200" dirty="0" err="1"/>
+              <a:t>Total</a:t>
+            </a:r>
+            <a:r>
+              <a:rPr lang="ko-KR" altLang="en-US" sz="1200" dirty="0"/>
+              <a:t> 3 (</a:t>
+            </a:r>
+            <a:r>
+              <a:rPr lang="ko-KR" altLang="en-US" sz="1200" dirty="0" err="1"/>
+              <a:t>delta</a:t>
+            </a:r>
+            <a:r>
+              <a:rPr lang="ko-KR" altLang="en-US" sz="1200" dirty="0"/>
+              <a:t> 0), </a:t>
+            </a:r>
+            <a:r>
+              <a:rPr lang="ko-KR" altLang="en-US" sz="1200" dirty="0" err="1"/>
+              <a:t>reused</a:t>
+            </a:r>
+            <a:r>
+              <a:rPr lang="ko-KR" altLang="en-US" sz="1200" dirty="0"/>
+              <a:t> 0 (</a:t>
+            </a:r>
+            <a:r>
+              <a:rPr lang="ko-KR" altLang="en-US" sz="1200" dirty="0" err="1"/>
+              <a:t>delta</a:t>
+            </a:r>
+            <a:r>
+              <a:rPr lang="ko-KR" altLang="en-US" sz="1200" dirty="0"/>
+              <a:t> 0), </a:t>
+            </a:r>
+            <a:r>
+              <a:rPr lang="ko-KR" altLang="en-US" sz="1200" dirty="0" err="1"/>
+              <a:t>pack-reused</a:t>
+            </a:r>
+            <a:r>
+              <a:rPr lang="ko-KR" altLang="en-US" sz="1200" dirty="0"/>
+              <a:t> 0</a:t>
+            </a:r>
+          </a:p>
+          <a:p>
+            <a:r>
+              <a:rPr lang="ko-KR" altLang="en-US" sz="1200" dirty="0" err="1"/>
+              <a:t>Receiving</a:t>
+            </a:r>
+            <a:r>
+              <a:rPr lang="ko-KR" altLang="en-US" sz="1200" dirty="0"/>
+              <a:t> </a:t>
+            </a:r>
+            <a:r>
+              <a:rPr lang="ko-KR" altLang="en-US" sz="1200" dirty="0" err="1"/>
+              <a:t>objects</a:t>
+            </a:r>
+            <a:r>
+              <a:rPr lang="ko-KR" altLang="en-US" sz="1200" dirty="0"/>
+              <a:t>: 100% (3/3), </a:t>
+            </a:r>
+            <a:r>
+              <a:rPr lang="ko-KR" altLang="en-US" sz="1200" dirty="0" err="1"/>
+              <a:t>done</a:t>
+            </a:r>
+            <a:r>
+              <a:rPr lang="ko-KR" altLang="en-US" sz="1200" dirty="0"/>
+              <a:t>.</a:t>
+            </a:r>
+          </a:p>
+          <a:p>
+            <a:endParaRPr lang="ko-KR" altLang="en-US" sz="1200" dirty="0"/>
+          </a:p>
+          <a:p>
+            <a:r>
+              <a:rPr lang="ko-KR" altLang="en-US" sz="1200" dirty="0"/>
+              <a:t>D:\GitEdu&gt;cd </a:t>
+            </a:r>
+            <a:r>
+              <a:rPr lang="ko-KR" altLang="en-US" sz="1200" dirty="0" err="1"/>
+              <a:t>Git-Tutorial</a:t>
+            </a:r>
+            <a:endParaRPr lang="ko-KR" altLang="en-US" sz="1200" dirty="0"/>
+          </a:p>
+          <a:p>
+            <a:endParaRPr lang="ko-KR" altLang="en-US" sz="1200" dirty="0"/>
+          </a:p>
+          <a:p>
+            <a:r>
+              <a:rPr lang="ko-KR" altLang="en-US" sz="1200" dirty="0"/>
+              <a:t>D:\GitEdu\Git-Tutorial&gt;git </a:t>
+            </a:r>
+            <a:r>
+              <a:rPr lang="ko-KR" altLang="en-US" sz="1200" dirty="0" err="1"/>
+              <a:t>add</a:t>
+            </a:r>
+            <a:r>
+              <a:rPr lang="ko-KR" altLang="en-US" sz="1200" dirty="0"/>
+              <a:t> </a:t>
+            </a:r>
+            <a:r>
+              <a:rPr lang="ko-KR" altLang="en-US" sz="1200" dirty="0" err="1"/>
+              <a:t>document</a:t>
+            </a:r>
+            <a:r>
+              <a:rPr lang="ko-KR" altLang="en-US" sz="1200" dirty="0"/>
+              <a:t> Test.txt</a:t>
+            </a:r>
+          </a:p>
+          <a:p>
+            <a:r>
+              <a:rPr lang="ko-KR" altLang="en-US" sz="1200" dirty="0" err="1"/>
+              <a:t>fatal</a:t>
+            </a:r>
+            <a:r>
+              <a:rPr lang="ko-KR" altLang="en-US" sz="1200" dirty="0"/>
+              <a:t>: </a:t>
+            </a:r>
+            <a:r>
+              <a:rPr lang="ko-KR" altLang="en-US" sz="1200" dirty="0" err="1"/>
+              <a:t>pathspec</a:t>
+            </a:r>
+            <a:r>
+              <a:rPr lang="ko-KR" altLang="en-US" sz="1200" dirty="0"/>
+              <a:t> '</a:t>
+            </a:r>
+            <a:r>
+              <a:rPr lang="ko-KR" altLang="en-US" sz="1200" dirty="0" err="1"/>
+              <a:t>document</a:t>
+            </a:r>
+            <a:r>
+              <a:rPr lang="ko-KR" altLang="en-US" sz="1200" dirty="0"/>
+              <a:t>' </a:t>
+            </a:r>
+            <a:r>
+              <a:rPr lang="ko-KR" altLang="en-US" sz="1200" dirty="0" err="1"/>
+              <a:t>did</a:t>
+            </a:r>
+            <a:r>
+              <a:rPr lang="ko-KR" altLang="en-US" sz="1200" dirty="0"/>
+              <a:t> </a:t>
+            </a:r>
+            <a:r>
+              <a:rPr lang="ko-KR" altLang="en-US" sz="1200" dirty="0" err="1"/>
+              <a:t>not</a:t>
+            </a:r>
+            <a:r>
+              <a:rPr lang="ko-KR" altLang="en-US" sz="1200" dirty="0"/>
+              <a:t> </a:t>
+            </a:r>
+            <a:r>
+              <a:rPr lang="ko-KR" altLang="en-US" sz="1200" dirty="0" err="1"/>
+              <a:t>match</a:t>
+            </a:r>
+            <a:r>
+              <a:rPr lang="ko-KR" altLang="en-US" sz="1200" dirty="0"/>
+              <a:t> </a:t>
+            </a:r>
+            <a:r>
+              <a:rPr lang="ko-KR" altLang="en-US" sz="1200" dirty="0" err="1"/>
+              <a:t>any</a:t>
+            </a:r>
+            <a:r>
+              <a:rPr lang="ko-KR" altLang="en-US" sz="1200" dirty="0"/>
+              <a:t> </a:t>
+            </a:r>
+            <a:r>
+              <a:rPr lang="ko-KR" altLang="en-US" sz="1200" dirty="0" err="1"/>
+              <a:t>files</a:t>
+            </a:r>
+            <a:endParaRPr lang="ko-KR" altLang="en-US" sz="1200" dirty="0"/>
+          </a:p>
+          <a:p>
+            <a:endParaRPr lang="ko-KR" altLang="en-US" sz="1200" dirty="0"/>
+          </a:p>
+          <a:p>
+            <a:r>
+              <a:rPr lang="ko-KR" altLang="en-US" sz="1200" dirty="0"/>
+              <a:t>D:\GitEdu\Git-Tutorial&gt;git </a:t>
+            </a:r>
+            <a:r>
+              <a:rPr lang="ko-KR" altLang="en-US" sz="1200" dirty="0" err="1"/>
+              <a:t>add</a:t>
+            </a:r>
+            <a:r>
+              <a:rPr lang="ko-KR" altLang="en-US" sz="1200" dirty="0"/>
+              <a:t> documentTest.txt</a:t>
+            </a:r>
+          </a:p>
+          <a:p>
+            <a:r>
+              <a:rPr lang="ko-KR" altLang="en-US" sz="1200" dirty="0" err="1"/>
+              <a:t>fatal</a:t>
+            </a:r>
+            <a:r>
+              <a:rPr lang="ko-KR" altLang="en-US" sz="1200" dirty="0"/>
+              <a:t>: </a:t>
+            </a:r>
+            <a:r>
+              <a:rPr lang="ko-KR" altLang="en-US" sz="1200" dirty="0" err="1"/>
+              <a:t>pathspec</a:t>
+            </a:r>
+            <a:r>
+              <a:rPr lang="ko-KR" altLang="en-US" sz="1200" dirty="0"/>
+              <a:t> '</a:t>
+            </a:r>
+            <a:r>
+              <a:rPr lang="ko-KR" altLang="en-US" sz="1200" dirty="0" err="1"/>
+              <a:t>documentTest.txt</a:t>
+            </a:r>
+            <a:r>
+              <a:rPr lang="ko-KR" altLang="en-US" sz="1200" dirty="0"/>
+              <a:t>' </a:t>
+            </a:r>
+            <a:r>
+              <a:rPr lang="ko-KR" altLang="en-US" sz="1200" dirty="0" err="1"/>
+              <a:t>did</a:t>
+            </a:r>
+            <a:r>
+              <a:rPr lang="ko-KR" altLang="en-US" sz="1200" dirty="0"/>
+              <a:t> </a:t>
+            </a:r>
+            <a:r>
+              <a:rPr lang="ko-KR" altLang="en-US" sz="1200" dirty="0" err="1"/>
+              <a:t>not</a:t>
+            </a:r>
+            <a:r>
+              <a:rPr lang="ko-KR" altLang="en-US" sz="1200" dirty="0"/>
+              <a:t> </a:t>
+            </a:r>
+            <a:r>
+              <a:rPr lang="ko-KR" altLang="en-US" sz="1200" dirty="0" err="1"/>
+              <a:t>match</a:t>
+            </a:r>
+            <a:r>
+              <a:rPr lang="ko-KR" altLang="en-US" sz="1200" dirty="0"/>
+              <a:t> </a:t>
+            </a:r>
+            <a:r>
+              <a:rPr lang="ko-KR" altLang="en-US" sz="1200" dirty="0" err="1"/>
+              <a:t>any</a:t>
+            </a:r>
+            <a:r>
+              <a:rPr lang="ko-KR" altLang="en-US" sz="1200" dirty="0"/>
+              <a:t> </a:t>
+            </a:r>
+            <a:r>
+              <a:rPr lang="ko-KR" altLang="en-US" sz="1200" dirty="0" err="1"/>
+              <a:t>files</a:t>
+            </a:r>
+            <a:endParaRPr lang="ko-KR" altLang="en-US" sz="1200" dirty="0"/>
+          </a:p>
+          <a:p>
+            <a:endParaRPr lang="ko-KR" altLang="en-US" sz="1200" dirty="0"/>
+          </a:p>
+          <a:p>
+            <a:r>
+              <a:rPr lang="ko-KR" altLang="en-US" sz="1200" dirty="0"/>
+              <a:t>D:\GitEdu\Git-Tutorial&gt;git </a:t>
+            </a:r>
+            <a:r>
+              <a:rPr lang="ko-KR" altLang="en-US" sz="1200" dirty="0" err="1"/>
+              <a:t>add</a:t>
+            </a:r>
+            <a:r>
+              <a:rPr lang="ko-KR" altLang="en-US" sz="1200" dirty="0"/>
+              <a:t> documentTest.txt</a:t>
+            </a:r>
+          </a:p>
+          <a:p>
+            <a:endParaRPr lang="ko-KR" altLang="en-US" sz="1200" dirty="0"/>
+          </a:p>
+          <a:p>
+            <a:r>
+              <a:rPr lang="ko-KR" altLang="en-US" sz="1200" dirty="0"/>
+              <a:t>D:\GitEdu\Git-Tutorial&gt;git </a:t>
+            </a:r>
+            <a:r>
+              <a:rPr lang="ko-KR" altLang="en-US" sz="1200" dirty="0" err="1"/>
+              <a:t>commit</a:t>
+            </a:r>
+            <a:r>
+              <a:rPr lang="ko-KR" altLang="en-US" sz="1200" dirty="0"/>
+              <a:t> -</a:t>
+            </a:r>
+            <a:r>
+              <a:rPr lang="ko-KR" altLang="en-US" sz="1200" dirty="0" err="1"/>
+              <a:t>m</a:t>
+            </a:r>
+            <a:r>
+              <a:rPr lang="ko-KR" altLang="en-US" sz="1200" dirty="0"/>
+              <a:t> "</a:t>
+            </a:r>
+            <a:r>
+              <a:rPr lang="ko-KR" altLang="en-US" sz="1200" dirty="0" err="1"/>
+              <a:t>adding</a:t>
+            </a:r>
+            <a:r>
+              <a:rPr lang="ko-KR" altLang="en-US" sz="1200" dirty="0"/>
+              <a:t> </a:t>
+            </a:r>
+            <a:r>
+              <a:rPr lang="ko-KR" altLang="en-US" sz="1200" dirty="0" err="1"/>
+              <a:t>test</a:t>
+            </a:r>
+            <a:r>
+              <a:rPr lang="ko-KR" altLang="en-US" sz="1200" dirty="0"/>
+              <a:t> </a:t>
+            </a:r>
+            <a:r>
+              <a:rPr lang="ko-KR" altLang="en-US" sz="1200" dirty="0" err="1"/>
+              <a:t>file</a:t>
+            </a:r>
+            <a:r>
+              <a:rPr lang="ko-KR" altLang="en-US" sz="1200" dirty="0"/>
+              <a:t> [</a:t>
+            </a:r>
+            <a:r>
+              <a:rPr lang="ko-KR" altLang="en-US" sz="1200" dirty="0" err="1"/>
+              <a:t>documentTest.txt</a:t>
+            </a:r>
+            <a:r>
+              <a:rPr lang="ko-KR" altLang="en-US" sz="1200" dirty="0"/>
+              <a:t>]"</a:t>
+            </a:r>
+          </a:p>
+          <a:p>
+            <a:r>
+              <a:rPr lang="ko-KR" altLang="en-US" sz="1200" dirty="0"/>
+              <a:t>[</a:t>
+            </a:r>
+            <a:r>
+              <a:rPr lang="ko-KR" altLang="en-US" sz="1200" dirty="0" err="1"/>
+              <a:t>main</a:t>
+            </a:r>
+            <a:r>
+              <a:rPr lang="ko-KR" altLang="en-US" sz="1200" dirty="0"/>
+              <a:t> 4d01183] </a:t>
+            </a:r>
+            <a:r>
+              <a:rPr lang="ko-KR" altLang="en-US" sz="1200" dirty="0" err="1"/>
+              <a:t>adding</a:t>
+            </a:r>
+            <a:r>
+              <a:rPr lang="ko-KR" altLang="en-US" sz="1200" dirty="0"/>
+              <a:t> </a:t>
+            </a:r>
+            <a:r>
+              <a:rPr lang="ko-KR" altLang="en-US" sz="1200" dirty="0" err="1"/>
+              <a:t>test</a:t>
+            </a:r>
+            <a:r>
+              <a:rPr lang="ko-KR" altLang="en-US" sz="1200" dirty="0"/>
+              <a:t> </a:t>
+            </a:r>
+            <a:r>
+              <a:rPr lang="ko-KR" altLang="en-US" sz="1200" dirty="0" err="1"/>
+              <a:t>file</a:t>
+            </a:r>
+            <a:r>
+              <a:rPr lang="ko-KR" altLang="en-US" sz="1200" dirty="0"/>
+              <a:t> [</a:t>
+            </a:r>
+            <a:r>
+              <a:rPr lang="ko-KR" altLang="en-US" sz="1200" dirty="0" err="1"/>
+              <a:t>documentTest.txt</a:t>
+            </a:r>
+            <a:r>
+              <a:rPr lang="ko-KR" altLang="en-US" sz="1200" dirty="0"/>
+              <a:t>]</a:t>
+            </a:r>
+          </a:p>
+          <a:p>
+            <a:r>
+              <a:rPr lang="ko-KR" altLang="en-US" sz="1200" dirty="0"/>
+              <a:t> 1 </a:t>
+            </a:r>
+            <a:r>
+              <a:rPr lang="ko-KR" altLang="en-US" sz="1200" dirty="0" err="1"/>
+              <a:t>file</a:t>
+            </a:r>
+            <a:r>
+              <a:rPr lang="ko-KR" altLang="en-US" sz="1200" dirty="0"/>
+              <a:t> </a:t>
+            </a:r>
+            <a:r>
+              <a:rPr lang="ko-KR" altLang="en-US" sz="1200" dirty="0" err="1"/>
+              <a:t>changed</a:t>
+            </a:r>
+            <a:r>
+              <a:rPr lang="ko-KR" altLang="en-US" sz="1200" dirty="0"/>
+              <a:t>, 0 </a:t>
+            </a:r>
+            <a:r>
+              <a:rPr lang="ko-KR" altLang="en-US" sz="1200" dirty="0" err="1"/>
+              <a:t>insertions</a:t>
+            </a:r>
+            <a:r>
+              <a:rPr lang="ko-KR" altLang="en-US" sz="1200" dirty="0"/>
+              <a:t>(+), 0 </a:t>
+            </a:r>
+            <a:r>
+              <a:rPr lang="ko-KR" altLang="en-US" sz="1200" dirty="0" err="1"/>
+              <a:t>deletions</a:t>
+            </a:r>
+            <a:r>
+              <a:rPr lang="ko-KR" altLang="en-US" sz="1200" dirty="0"/>
+              <a:t>(-)</a:t>
+            </a:r>
+          </a:p>
+          <a:p>
+            <a:r>
+              <a:rPr lang="ko-KR" altLang="en-US" sz="1200" dirty="0"/>
+              <a:t> </a:t>
+            </a:r>
+            <a:r>
+              <a:rPr lang="ko-KR" altLang="en-US" sz="1200" dirty="0" err="1"/>
+              <a:t>create</a:t>
+            </a:r>
+            <a:r>
+              <a:rPr lang="ko-KR" altLang="en-US" sz="1200" dirty="0"/>
+              <a:t> </a:t>
+            </a:r>
+            <a:r>
+              <a:rPr lang="ko-KR" altLang="en-US" sz="1200" dirty="0" err="1"/>
+              <a:t>mode</a:t>
+            </a:r>
+            <a:r>
+              <a:rPr lang="ko-KR" altLang="en-US" sz="1200" dirty="0"/>
+              <a:t> 100644 documentTest.txt</a:t>
+            </a:r>
+          </a:p>
+          <a:p>
+            <a:endParaRPr lang="ko-KR" altLang="en-US" sz="1200" dirty="0"/>
+          </a:p>
+          <a:p>
+            <a:r>
+              <a:rPr lang="ko-KR" altLang="en-US" sz="1200" dirty="0"/>
+              <a:t>D:\GitEdu\Git-Tutorial&gt;git </a:t>
+            </a:r>
+            <a:r>
+              <a:rPr lang="ko-KR" altLang="en-US" sz="1200" dirty="0" err="1"/>
+              <a:t>push</a:t>
+            </a:r>
+            <a:endParaRPr lang="ko-KR" altLang="en-US" sz="1200" dirty="0"/>
+          </a:p>
+          <a:p>
+            <a:r>
+              <a:rPr lang="ko-KR" altLang="en-US" sz="1200" dirty="0" err="1"/>
+              <a:t>info</a:t>
+            </a:r>
+            <a:r>
+              <a:rPr lang="ko-KR" altLang="en-US" sz="1200" dirty="0"/>
+              <a:t>: </a:t>
+            </a:r>
+            <a:r>
+              <a:rPr lang="ko-KR" altLang="en-US" sz="1200" dirty="0" err="1"/>
+              <a:t>please</a:t>
+            </a:r>
+            <a:r>
+              <a:rPr lang="ko-KR" altLang="en-US" sz="1200" dirty="0"/>
+              <a:t> </a:t>
+            </a:r>
+            <a:r>
+              <a:rPr lang="ko-KR" altLang="en-US" sz="1200" dirty="0" err="1"/>
+              <a:t>complete</a:t>
+            </a:r>
+            <a:r>
+              <a:rPr lang="ko-KR" altLang="en-US" sz="1200" dirty="0"/>
+              <a:t> </a:t>
+            </a:r>
+            <a:r>
+              <a:rPr lang="ko-KR" altLang="en-US" sz="1200" dirty="0" err="1"/>
+              <a:t>authentication</a:t>
+            </a:r>
+            <a:r>
+              <a:rPr lang="ko-KR" altLang="en-US" sz="1200" dirty="0"/>
+              <a:t> </a:t>
+            </a:r>
+            <a:r>
+              <a:rPr lang="ko-KR" altLang="en-US" sz="1200" dirty="0" err="1"/>
+              <a:t>in</a:t>
+            </a:r>
+            <a:r>
+              <a:rPr lang="ko-KR" altLang="en-US" sz="1200" dirty="0"/>
+              <a:t> </a:t>
+            </a:r>
+            <a:r>
+              <a:rPr lang="ko-KR" altLang="en-US" sz="1200" dirty="0" err="1"/>
+              <a:t>your</a:t>
+            </a:r>
+            <a:r>
+              <a:rPr lang="ko-KR" altLang="en-US" sz="1200" dirty="0"/>
+              <a:t> </a:t>
+            </a:r>
+            <a:r>
+              <a:rPr lang="ko-KR" altLang="en-US" sz="1200" dirty="0" err="1"/>
+              <a:t>browser</a:t>
+            </a:r>
+            <a:r>
+              <a:rPr lang="ko-KR" altLang="en-US" sz="1200" dirty="0"/>
+              <a:t>...</a:t>
+            </a:r>
+          </a:p>
+          <a:p>
+            <a:r>
+              <a:rPr lang="ko-KR" altLang="en-US" sz="1200" dirty="0" err="1"/>
+              <a:t>Enumerating</a:t>
+            </a:r>
+            <a:r>
+              <a:rPr lang="ko-KR" altLang="en-US" sz="1200" dirty="0"/>
+              <a:t> </a:t>
+            </a:r>
+            <a:r>
+              <a:rPr lang="ko-KR" altLang="en-US" sz="1200" dirty="0" err="1"/>
+              <a:t>objects</a:t>
+            </a:r>
+            <a:r>
+              <a:rPr lang="ko-KR" altLang="en-US" sz="1200" dirty="0"/>
+              <a:t>: 4, </a:t>
+            </a:r>
+            <a:r>
+              <a:rPr lang="ko-KR" altLang="en-US" sz="1200" dirty="0" err="1"/>
+              <a:t>done</a:t>
+            </a:r>
+            <a:r>
+              <a:rPr lang="ko-KR" altLang="en-US" sz="1200" dirty="0"/>
+              <a:t>.</a:t>
+            </a:r>
+          </a:p>
+          <a:p>
+            <a:r>
+              <a:rPr lang="ko-KR" altLang="en-US" sz="1200" dirty="0" err="1"/>
+              <a:t>Counting</a:t>
+            </a:r>
+            <a:r>
+              <a:rPr lang="ko-KR" altLang="en-US" sz="1200" dirty="0"/>
+              <a:t> </a:t>
+            </a:r>
+            <a:r>
+              <a:rPr lang="ko-KR" altLang="en-US" sz="1200" dirty="0" err="1"/>
+              <a:t>objects</a:t>
+            </a:r>
+            <a:r>
+              <a:rPr lang="ko-KR" altLang="en-US" sz="1200" dirty="0"/>
+              <a:t>: 100% (4/4), </a:t>
+            </a:r>
+            <a:r>
+              <a:rPr lang="ko-KR" altLang="en-US" sz="1200" dirty="0" err="1"/>
+              <a:t>done</a:t>
+            </a:r>
+            <a:r>
+              <a:rPr lang="ko-KR" altLang="en-US" sz="1200" dirty="0"/>
+              <a:t>.</a:t>
+            </a:r>
+          </a:p>
+          <a:p>
+            <a:r>
+              <a:rPr lang="ko-KR" altLang="en-US" sz="1200" dirty="0"/>
+              <a:t>Delta </a:t>
+            </a:r>
+            <a:r>
+              <a:rPr lang="ko-KR" altLang="en-US" sz="1200" dirty="0" err="1"/>
+              <a:t>compression</a:t>
+            </a:r>
+            <a:r>
+              <a:rPr lang="ko-KR" altLang="en-US" sz="1200" dirty="0"/>
+              <a:t> </a:t>
+            </a:r>
+            <a:r>
+              <a:rPr lang="ko-KR" altLang="en-US" sz="1200" dirty="0" err="1"/>
+              <a:t>using</a:t>
+            </a:r>
+            <a:r>
+              <a:rPr lang="ko-KR" altLang="en-US" sz="1200" dirty="0"/>
+              <a:t> </a:t>
+            </a:r>
+            <a:r>
+              <a:rPr lang="ko-KR" altLang="en-US" sz="1200" dirty="0" err="1"/>
+              <a:t>up</a:t>
+            </a:r>
+            <a:r>
+              <a:rPr lang="ko-KR" altLang="en-US" sz="1200" dirty="0"/>
+              <a:t> </a:t>
+            </a:r>
+            <a:r>
+              <a:rPr lang="ko-KR" altLang="en-US" sz="1200" dirty="0" err="1"/>
+              <a:t>to</a:t>
+            </a:r>
+            <a:r>
+              <a:rPr lang="ko-KR" altLang="en-US" sz="1200" dirty="0"/>
+              <a:t> 16 </a:t>
+            </a:r>
+            <a:r>
+              <a:rPr lang="ko-KR" altLang="en-US" sz="1200" dirty="0" err="1"/>
+              <a:t>threads</a:t>
+            </a:r>
+            <a:endParaRPr lang="ko-KR" altLang="en-US" sz="1200" dirty="0"/>
+          </a:p>
+          <a:p>
+            <a:r>
+              <a:rPr lang="ko-KR" altLang="en-US" sz="1200" dirty="0" err="1"/>
+              <a:t>Compressing</a:t>
+            </a:r>
+            <a:r>
+              <a:rPr lang="ko-KR" altLang="en-US" sz="1200" dirty="0"/>
+              <a:t> </a:t>
+            </a:r>
+            <a:r>
+              <a:rPr lang="ko-KR" altLang="en-US" sz="1200" dirty="0" err="1"/>
+              <a:t>objects</a:t>
+            </a:r>
+            <a:r>
+              <a:rPr lang="ko-KR" altLang="en-US" sz="1200" dirty="0"/>
+              <a:t>: 100% (2/2), </a:t>
+            </a:r>
+            <a:r>
+              <a:rPr lang="ko-KR" altLang="en-US" sz="1200" dirty="0" err="1"/>
+              <a:t>done</a:t>
+            </a:r>
+            <a:r>
+              <a:rPr lang="ko-KR" altLang="en-US" sz="1200" dirty="0"/>
+              <a:t>.</a:t>
+            </a:r>
+          </a:p>
+          <a:p>
+            <a:r>
+              <a:rPr lang="ko-KR" altLang="en-US" sz="1200" dirty="0" err="1"/>
+              <a:t>Writing</a:t>
+            </a:r>
+            <a:r>
+              <a:rPr lang="ko-KR" altLang="en-US" sz="1200" dirty="0"/>
+              <a:t> </a:t>
+            </a:r>
+            <a:r>
+              <a:rPr lang="ko-KR" altLang="en-US" sz="1200" dirty="0" err="1"/>
+              <a:t>objects</a:t>
+            </a:r>
+            <a:r>
+              <a:rPr lang="ko-KR" altLang="en-US" sz="1200" dirty="0"/>
+              <a:t>: 100% (3/3), 303 </a:t>
+            </a:r>
+            <a:r>
+              <a:rPr lang="ko-KR" altLang="en-US" sz="1200" dirty="0" err="1"/>
+              <a:t>bytes</a:t>
+            </a:r>
+            <a:r>
+              <a:rPr lang="ko-KR" altLang="en-US" sz="1200" dirty="0"/>
+              <a:t> | 303.00 </a:t>
+            </a:r>
+            <a:r>
+              <a:rPr lang="ko-KR" altLang="en-US" sz="1200" dirty="0" err="1"/>
+              <a:t>KiB</a:t>
+            </a:r>
+            <a:r>
+              <a:rPr lang="ko-KR" altLang="en-US" sz="1200" dirty="0"/>
+              <a:t>/</a:t>
+            </a:r>
+            <a:r>
+              <a:rPr lang="ko-KR" altLang="en-US" sz="1200" dirty="0" err="1"/>
+              <a:t>s</a:t>
+            </a:r>
+            <a:r>
+              <a:rPr lang="ko-KR" altLang="en-US" sz="1200" dirty="0"/>
+              <a:t>, </a:t>
+            </a:r>
+            <a:r>
+              <a:rPr lang="ko-KR" altLang="en-US" sz="1200" dirty="0" err="1"/>
+              <a:t>done</a:t>
+            </a:r>
+            <a:r>
+              <a:rPr lang="ko-KR" altLang="en-US" sz="1200" dirty="0"/>
+              <a:t>.</a:t>
+            </a:r>
+          </a:p>
+          <a:p>
+            <a:r>
+              <a:rPr lang="ko-KR" altLang="en-US" sz="1200" dirty="0" err="1"/>
+              <a:t>Total</a:t>
+            </a:r>
+            <a:r>
+              <a:rPr lang="ko-KR" altLang="en-US" sz="1200" dirty="0"/>
+              <a:t> 3 (</a:t>
+            </a:r>
+            <a:r>
+              <a:rPr lang="ko-KR" altLang="en-US" sz="1200" dirty="0" err="1"/>
+              <a:t>delta</a:t>
+            </a:r>
+            <a:r>
+              <a:rPr lang="ko-KR" altLang="en-US" sz="1200" dirty="0"/>
+              <a:t> 0), </a:t>
+            </a:r>
+            <a:r>
+              <a:rPr lang="ko-KR" altLang="en-US" sz="1200" dirty="0" err="1"/>
+              <a:t>reused</a:t>
+            </a:r>
+            <a:r>
+              <a:rPr lang="ko-KR" altLang="en-US" sz="1200" dirty="0"/>
+              <a:t> 0 (</a:t>
+            </a:r>
+            <a:r>
+              <a:rPr lang="ko-KR" altLang="en-US" sz="1200" dirty="0" err="1"/>
+              <a:t>delta</a:t>
+            </a:r>
+            <a:r>
+              <a:rPr lang="ko-KR" altLang="en-US" sz="1200" dirty="0"/>
+              <a:t> 0), </a:t>
+            </a:r>
+            <a:r>
+              <a:rPr lang="ko-KR" altLang="en-US" sz="1200" dirty="0" err="1"/>
+              <a:t>pack-reused</a:t>
+            </a:r>
+            <a:r>
+              <a:rPr lang="ko-KR" altLang="en-US" sz="1200" dirty="0"/>
+              <a:t> 0</a:t>
+            </a:r>
+          </a:p>
+          <a:p>
+            <a:r>
+              <a:rPr lang="ko-KR" altLang="en-US" sz="1200" dirty="0" err="1"/>
+              <a:t>To</a:t>
+            </a:r>
+            <a:r>
+              <a:rPr lang="ko-KR" altLang="en-US" sz="1200" dirty="0"/>
+              <a:t> https://github.com/danilyu/Git-Tutorial.git</a:t>
+            </a:r>
+          </a:p>
+          <a:p>
+            <a:r>
+              <a:rPr lang="ko-KR" altLang="en-US" sz="1200" dirty="0"/>
+              <a:t>   5c607c6..4d01183  </a:t>
+            </a:r>
+            <a:r>
+              <a:rPr lang="ko-KR" altLang="en-US" sz="1200" dirty="0" err="1"/>
+              <a:t>main</a:t>
+            </a:r>
+            <a:r>
+              <a:rPr lang="ko-KR" altLang="en-US" sz="1200" dirty="0"/>
+              <a:t> -&gt; </a:t>
+            </a:r>
+            <a:r>
+              <a:rPr lang="ko-KR" altLang="en-US" sz="1200" dirty="0" err="1"/>
+              <a:t>main</a:t>
+            </a:r>
+            <a:endParaRPr lang="ko-KR" altLang="en-US" sz="1200" dirty="0"/>
+          </a:p>
+          <a:p>
+            <a:endParaRPr lang="ko-KR" altLang="en-US" sz="1200" dirty="0"/>
+          </a:p>
+          <a:p>
+            <a:r>
+              <a:rPr lang="ko-KR" altLang="en-US" sz="1200" dirty="0"/>
+              <a:t>D:\GitEdu\Git-Tutorial&gt;</a:t>
+            </a:r>
+          </a:p>
+        </p:txBody>
+      </p:sp>
+    </p:spTree>
+    <p:extLst>
+      <p:ext uri="{BB962C8B-B14F-4D97-AF65-F5344CB8AC3E}">
+        <p14:creationId xmlns:p14="http://schemas.microsoft.com/office/powerpoint/2010/main" val="3593372268"/>
+      </p:ext>
+    </p:extLst>
+  </p:cSld>
+  <p:clrMapOvr>
+    <a:masterClrMapping/>
+  </p:clrMapOvr>
+</p:sld>
+</file>
+
 <file path=ppt/theme/theme1.xml><?xml version="1.0" encoding="utf-8"?>
 <a:theme xmlns:a="http://schemas.openxmlformats.org/drawingml/2006/main" name="Office 테마">
   <a:themeElements>

--- a/gitTest.pptx
+++ b/gitTest.pptx
@@ -7,6 +7,7 @@
   <p:sldIdLst>
     <p:sldId id="256" r:id="rId2"/>
     <p:sldId id="257" r:id="rId3"/>
+    <p:sldId id="258" r:id="rId4"/>
   </p:sldIdLst>
   <p:sldSz cx="12192000" cy="6858000"/>
   <p:notesSz cx="6858000" cy="9144000"/>
@@ -4335,6 +4336,36 @@
 </p:sld>
 </file>
 
+<file path=ppt/slides/slide3.xml><?xml version="1.0" encoding="utf-8"?>
+<p:sld xmlns:a="http://schemas.openxmlformats.org/drawingml/2006/main" xmlns:r="http://schemas.openxmlformats.org/officeDocument/2006/relationships" xmlns:p="http://schemas.openxmlformats.org/presentationml/2006/main">
+  <p:cSld>
+    <p:spTree>
+      <p:nvGrpSpPr>
+        <p:cNvPr id="1" name=""/>
+        <p:cNvGrpSpPr/>
+        <p:nvPr/>
+      </p:nvGrpSpPr>
+      <p:grpSpPr>
+        <a:xfrm>
+          <a:off x="0" y="0"/>
+          <a:ext cx="0" cy="0"/>
+          <a:chOff x="0" y="0"/>
+          <a:chExt cx="0" cy="0"/>
+        </a:xfrm>
+      </p:grpSpPr>
+    </p:spTree>
+    <p:extLst>
+      <p:ext uri="{BB962C8B-B14F-4D97-AF65-F5344CB8AC3E}">
+        <p14:creationId xmlns:p14="http://schemas.microsoft.com/office/powerpoint/2010/main" val="711806296"/>
+      </p:ext>
+    </p:extLst>
+  </p:cSld>
+  <p:clrMapOvr>
+    <a:masterClrMapping/>
+  </p:clrMapOvr>
+</p:sld>
+</file>
+
 <file path=ppt/theme/theme1.xml><?xml version="1.0" encoding="utf-8"?>
 <a:theme xmlns:a="http://schemas.openxmlformats.org/drawingml/2006/main" name="Office 테마">
   <a:themeElements>
